--- a/pub/Council/Agenda2011Aug2-3/ED_OSG_as_an_XSEDE_SP.pptx
+++ b/pub/Council/Agenda2011Aug2-3/ED_OSG_as_an_XSEDE_SP.pptx
@@ -12,7 +12,7 @@
   </p:handoutMasterIdLst>
   <p:sldIdLst>
     <p:sldId id="289" r:id="rId2"/>
-    <p:sldId id="290" r:id="rId3"/>
+    <p:sldId id="291" r:id="rId3"/>
   </p:sldIdLst>
   <p:sldSz cx="9144000" cy="6858000" type="screen4x3"/>
   <p:notesSz cx="7010400" cy="9296400"/>
@@ -898,6 +898,89 @@
     </a:lvl9pPr>
   </p:notesStyle>
 </p:notesMaster>
+</file>
+
+<file path=ppt/notesSlides/notesSlide1.xml><?xml version="1.0" encoding="utf-8"?>
+<p:notes xmlns:a="http://schemas.openxmlformats.org/drawingml/2006/main" xmlns:r="http://schemas.openxmlformats.org/officeDocument/2006/relationships" xmlns:p="http://schemas.openxmlformats.org/presentationml/2006/main">
+  <p:cSld>
+    <p:spTree>
+      <p:nvGrpSpPr>
+        <p:cNvPr id="1" name=""/>
+        <p:cNvGrpSpPr/>
+        <p:nvPr/>
+      </p:nvGrpSpPr>
+      <p:grpSpPr>
+        <a:xfrm>
+          <a:off x="0" y="0"/>
+          <a:ext cx="0" cy="0"/>
+          <a:chOff x="0" y="0"/>
+          <a:chExt cx="0" cy="0"/>
+        </a:xfrm>
+      </p:grpSpPr>
+      <p:sp>
+        <p:nvSpPr>
+          <p:cNvPr id="2" name="Slide Image Placeholder 1"/>
+          <p:cNvSpPr>
+            <a:spLocks noGrp="1" noRot="1" noChangeAspect="1"/>
+          </p:cNvSpPr>
+          <p:nvPr>
+            <p:ph type="sldImg"/>
+          </p:nvPr>
+        </p:nvSpPr>
+        <p:spPr/>
+      </p:sp>
+      <p:sp>
+        <p:nvSpPr>
+          <p:cNvPr id="3" name="Notes Placeholder 2"/>
+          <p:cNvSpPr>
+            <a:spLocks noGrp="1"/>
+          </p:cNvSpPr>
+          <p:nvPr>
+            <p:ph type="body" idx="1"/>
+          </p:nvPr>
+        </p:nvSpPr>
+        <p:spPr/>
+        <p:txBody>
+          <a:bodyPr/>
+          <a:lstStyle/>
+          <a:p>
+            <a:endParaRPr lang="en-US" dirty="0"/>
+          </a:p>
+        </p:txBody>
+      </p:sp>
+      <p:sp>
+        <p:nvSpPr>
+          <p:cNvPr id="4" name="Date Placeholder 3"/>
+          <p:cNvSpPr>
+            <a:spLocks noGrp="1"/>
+          </p:cNvSpPr>
+          <p:nvPr>
+            <p:ph type="dt" idx="10"/>
+          </p:nvPr>
+        </p:nvSpPr>
+        <p:spPr/>
+        <p:txBody>
+          <a:bodyPr/>
+          <a:lstStyle/>
+          <a:p>
+            <a:pPr>
+              <a:defRPr/>
+            </a:pPr>
+            <a:endParaRPr lang="en-US"/>
+          </a:p>
+        </p:txBody>
+      </p:sp>
+    </p:spTree>
+    <p:extLst>
+      <p:ext uri="{BB962C8B-B14F-4D97-AF65-F5344CB8AC3E}">
+        <p14:creationId xmlns:p14="http://schemas.microsoft.com/office/powerpoint/2010/main" val="691338467"/>
+      </p:ext>
+    </p:extLst>
+  </p:cSld>
+  <p:clrMapOvr>
+    <a:masterClrMapping/>
+  </p:clrMapOvr>
+</p:notes>
 </file>
 
 <file path=ppt/slideLayouts/slideLayout1.xml><?xml version="1.0" encoding="utf-8"?>
@@ -3860,7 +3943,7 @@
 </file>
 
 <file path=ppt/slides/slide2.xml><?xml version="1.0" encoding="utf-8"?>
-<p:sld xmlns:a="http://schemas.openxmlformats.org/drawingml/2006/main" xmlns:r="http://schemas.openxmlformats.org/officeDocument/2006/relationships" xmlns:p="http://schemas.openxmlformats.org/presentationml/2006/main" showMasterSp="0">
+<p:sld xmlns:a="http://schemas.openxmlformats.org/drawingml/2006/main" xmlns:r="http://schemas.openxmlformats.org/officeDocument/2006/relationships" xmlns:p="http://schemas.openxmlformats.org/presentationml/2006/main">
   <p:cSld>
     <p:spTree>
       <p:nvGrpSpPr>
@@ -3876,73 +3959,214 @@
           <a:chExt cx="0" cy="0"/>
         </a:xfrm>
       </p:grpSpPr>
+      <p:sp>
+        <p:nvSpPr>
+          <p:cNvPr id="3" name="Title 2"/>
+          <p:cNvSpPr>
+            <a:spLocks noGrp="1"/>
+          </p:cNvSpPr>
+          <p:nvPr>
+            <p:ph type="title"/>
+          </p:nvPr>
+        </p:nvSpPr>
+        <p:spPr>
+          <a:xfrm>
+            <a:off x="838200" y="152400"/>
+            <a:ext cx="8229600" cy="715962"/>
+          </a:xfrm>
+        </p:spPr>
+        <p:txBody>
+          <a:bodyPr/>
+          <a:lstStyle/>
+          <a:p>
+            <a:pPr algn="r"/>
+            <a:r>
+              <a:rPr lang="en-US" dirty="0" smtClean="0"/>
+              <a:t>XSEDE Org Chart</a:t>
+            </a:r>
+            <a:endParaRPr lang="en-US" dirty="0"/>
+          </a:p>
+        </p:txBody>
+      </p:sp>
+      <p:sp>
+        <p:nvSpPr>
+          <p:cNvPr id="46081" name="Slide Number Placeholder 3"/>
+          <p:cNvSpPr>
+            <a:spLocks noGrp="1"/>
+          </p:cNvSpPr>
+          <p:nvPr>
+            <p:ph type="sldNum" sz="quarter" idx="10"/>
+          </p:nvPr>
+        </p:nvSpPr>
+        <p:spPr bwMode="auto">
+          <a:noFill/>
+          <a:extLst>
+            <a:ext uri="{909E8E84-426E-40dd-AFC4-6F175D3DCCD1}">
+              <a14:hiddenFill xmlns:a14="http://schemas.microsoft.com/office/drawing/2010/main">
+                <a:solidFill>
+                  <a:srgbClr val="FFFFFF"/>
+                </a:solidFill>
+              </a14:hiddenFill>
+            </a:ext>
+            <a:ext uri="{91240B29-F687-4f45-9708-019B960494DF}">
+              <a14:hiddenLine xmlns:a14="http://schemas.microsoft.com/office/drawing/2010/main" w="9525">
+                <a:solidFill>
+                  <a:srgbClr val="000000"/>
+                </a:solidFill>
+                <a:miter lim="800000"/>
+                <a:headEnd/>
+                <a:tailEnd/>
+              </a14:hiddenLine>
+            </a:ext>
+          </a:extLst>
+        </p:spPr>
+        <p:txBody>
+          <a:bodyPr/>
+          <a:lstStyle>
+            <a:lvl1pPr eaLnBrk="0" hangingPunct="0">
+              <a:defRPr sz="1200">
+                <a:solidFill>
+                  <a:schemeClr val="tx1"/>
+                </a:solidFill>
+                <a:latin typeface="Times" charset="0"/>
+                <a:ea typeface="ＭＳ Ｐゴシック" charset="0"/>
+                <a:cs typeface="ＭＳ Ｐゴシック" charset="0"/>
+              </a:defRPr>
+            </a:lvl1pPr>
+            <a:lvl2pPr marL="742950" indent="-285750" eaLnBrk="0" hangingPunct="0">
+              <a:defRPr sz="1200">
+                <a:solidFill>
+                  <a:schemeClr val="tx1"/>
+                </a:solidFill>
+                <a:latin typeface="Times" charset="0"/>
+                <a:ea typeface="ＭＳ Ｐゴシック" charset="0"/>
+              </a:defRPr>
+            </a:lvl2pPr>
+            <a:lvl3pPr marL="1143000" indent="-228600" eaLnBrk="0" hangingPunct="0">
+              <a:defRPr sz="1200">
+                <a:solidFill>
+                  <a:schemeClr val="tx1"/>
+                </a:solidFill>
+                <a:latin typeface="Times" charset="0"/>
+                <a:ea typeface="ＭＳ Ｐゴシック" charset="0"/>
+              </a:defRPr>
+            </a:lvl3pPr>
+            <a:lvl4pPr marL="1600200" indent="-228600" eaLnBrk="0" hangingPunct="0">
+              <a:defRPr sz="1200">
+                <a:solidFill>
+                  <a:schemeClr val="tx1"/>
+                </a:solidFill>
+                <a:latin typeface="Times" charset="0"/>
+                <a:ea typeface="ＭＳ Ｐゴシック" charset="0"/>
+              </a:defRPr>
+            </a:lvl4pPr>
+            <a:lvl5pPr marL="2057400" indent="-228600" eaLnBrk="0" hangingPunct="0">
+              <a:defRPr sz="1200">
+                <a:solidFill>
+                  <a:schemeClr val="tx1"/>
+                </a:solidFill>
+                <a:latin typeface="Times" charset="0"/>
+                <a:ea typeface="ＭＳ Ｐゴシック" charset="0"/>
+              </a:defRPr>
+            </a:lvl5pPr>
+            <a:lvl6pPr marL="2514600" indent="-228600" eaLnBrk="0" fontAlgn="base" hangingPunct="0">
+              <a:spcBef>
+                <a:spcPct val="0"/>
+              </a:spcBef>
+              <a:spcAft>
+                <a:spcPct val="0"/>
+              </a:spcAft>
+              <a:defRPr sz="1200">
+                <a:solidFill>
+                  <a:schemeClr val="tx1"/>
+                </a:solidFill>
+                <a:latin typeface="Times" charset="0"/>
+                <a:ea typeface="ＭＳ Ｐゴシック" charset="0"/>
+              </a:defRPr>
+            </a:lvl6pPr>
+            <a:lvl7pPr marL="2971800" indent="-228600" eaLnBrk="0" fontAlgn="base" hangingPunct="0">
+              <a:spcBef>
+                <a:spcPct val="0"/>
+              </a:spcBef>
+              <a:spcAft>
+                <a:spcPct val="0"/>
+              </a:spcAft>
+              <a:defRPr sz="1200">
+                <a:solidFill>
+                  <a:schemeClr val="tx1"/>
+                </a:solidFill>
+                <a:latin typeface="Times" charset="0"/>
+                <a:ea typeface="ＭＳ Ｐゴシック" charset="0"/>
+              </a:defRPr>
+            </a:lvl7pPr>
+            <a:lvl8pPr marL="3429000" indent="-228600" eaLnBrk="0" fontAlgn="base" hangingPunct="0">
+              <a:spcBef>
+                <a:spcPct val="0"/>
+              </a:spcBef>
+              <a:spcAft>
+                <a:spcPct val="0"/>
+              </a:spcAft>
+              <a:defRPr sz="1200">
+                <a:solidFill>
+                  <a:schemeClr val="tx1"/>
+                </a:solidFill>
+                <a:latin typeface="Times" charset="0"/>
+                <a:ea typeface="ＭＳ Ｐゴシック" charset="0"/>
+              </a:defRPr>
+            </a:lvl8pPr>
+            <a:lvl9pPr marL="3886200" indent="-228600" eaLnBrk="0" fontAlgn="base" hangingPunct="0">
+              <a:spcBef>
+                <a:spcPct val="0"/>
+              </a:spcBef>
+              <a:spcAft>
+                <a:spcPct val="0"/>
+              </a:spcAft>
+              <a:defRPr sz="1200">
+                <a:solidFill>
+                  <a:schemeClr val="tx1"/>
+                </a:solidFill>
+                <a:latin typeface="Times" charset="0"/>
+                <a:ea typeface="ＭＳ Ｐゴシック" charset="0"/>
+              </a:defRPr>
+            </a:lvl9pPr>
+          </a:lstStyle>
+          <a:p>
+            <a:pPr eaLnBrk="1" hangingPunct="1"/>
+            <a:fld id="{1A957816-4A5C-3940-A73B-0231BA396F93}" type="slidenum">
+              <a:rPr lang="en-US">
+                <a:solidFill>
+                  <a:srgbClr val="FFFFFF"/>
+                </a:solidFill>
+                <a:cs typeface="Arial" charset="0"/>
+              </a:rPr>
+              <a:pPr eaLnBrk="1" hangingPunct="1"/>
+              <a:t>2</a:t>
+            </a:fld>
+            <a:endParaRPr lang="en-US">
+              <a:solidFill>
+                <a:srgbClr val="FFFFFF"/>
+              </a:solidFill>
+              <a:cs typeface="Arial" charset="0"/>
+            </a:endParaRPr>
+          </a:p>
+        </p:txBody>
+      </p:sp>
       <p:pic>
         <p:nvPicPr>
-          <p:cNvPr id="5" name="Content Placeholder 4" descr="Slide5.gif"/>
+          <p:cNvPr id="1026" name="Picture 2" descr="C:\Users\jtowns\Documents\XSEDE\Documents\XSEDE_Org-WBS-v7.32.png"/>
           <p:cNvPicPr>
-            <a:picLocks noGrp="1" noChangeAspect="1"/>
+            <a:picLocks noChangeAspect="1" noChangeArrowheads="1"/>
           </p:cNvPicPr>
-          <p:nvPr>
-            <p:ph idx="1"/>
-          </p:nvPr>
+          <p:nvPr/>
         </p:nvPicPr>
-        <p:blipFill rotWithShape="1">
-          <a:blip r:embed="rId2">
+        <p:blipFill>
+          <a:blip r:embed="rId3">
             <a:extLst>
               <a:ext uri="{28A0092B-C50C-407E-A947-70E740481C1C}">
                 <a14:useLocalDpi xmlns:a14="http://schemas.microsoft.com/office/drawing/2010/main" val="0"/>
               </a:ext>
             </a:extLst>
           </a:blip>
-          <a:srcRect t="-6536" b="217"/>
-          <a:stretch/>
-        </p:blipFill>
-        <p:spPr>
-          <a:xfrm>
-            <a:off x="774700" y="381000"/>
-            <a:ext cx="7772400" cy="6197600"/>
-          </a:xfrm>
-        </p:spPr>
-      </p:pic>
-      <p:sp>
-        <p:nvSpPr>
-          <p:cNvPr id="4" name="Slide Number Placeholder 3"/>
-          <p:cNvSpPr>
-            <a:spLocks noGrp="1"/>
-          </p:cNvSpPr>
-          <p:nvPr>
-            <p:ph type="sldNum" sz="quarter" idx="10"/>
-          </p:nvPr>
-        </p:nvSpPr>
-        <p:spPr/>
-        <p:txBody>
-          <a:bodyPr/>
-          <a:lstStyle/>
-          <a:p>
-            <a:pPr>
-              <a:defRPr/>
-            </a:pPr>
-            <a:fld id="{038AB4BC-D760-449D-A975-B1B41586F3D1}" type="slidenum">
-              <a:rPr lang="en-US" smtClean="0"/>
-              <a:pPr>
-                <a:defRPr/>
-              </a:pPr>
-              <a:t>2</a:t>
-            </a:fld>
-            <a:endParaRPr lang="en-US" dirty="0"/>
-          </a:p>
-        </p:txBody>
-      </p:sp>
-      <p:pic>
-        <p:nvPicPr>
-          <p:cNvPr id="6" name="Picture 16" descr="osg_logo_4c_white"/>
-          <p:cNvPicPr>
-            <a:picLocks noChangeAspect="1" noChangeArrowheads="1"/>
-          </p:cNvPicPr>
-          <p:nvPr/>
-        </p:nvPicPr>
-        <p:blipFill>
-          <a:blip r:embed="rId3"/>
           <a:srcRect/>
           <a:stretch>
             <a:fillRect/>
@@ -3950,31 +4174,41 @@
         </p:blipFill>
         <p:spPr bwMode="auto">
           <a:xfrm>
-            <a:off x="0" y="165100"/>
-            <a:ext cx="1393825" cy="925513"/>
+            <a:off x="228600" y="19050"/>
+            <a:ext cx="8001000" cy="5878649"/>
           </a:xfrm>
           <a:prstGeom prst="rect">
             <a:avLst/>
           </a:prstGeom>
           <a:noFill/>
-          <a:ln w="9525">
-            <a:noFill/>
-            <a:miter lim="800000"/>
-            <a:headEnd/>
-            <a:tailEnd/>
-          </a:ln>
+          <a:extLst>
+            <a:ext uri="{909E8E84-426E-40dd-AFC4-6F175D3DCCD1}">
+              <a14:hiddenFill xmlns:a14="http://schemas.microsoft.com/office/drawing/2010/main">
+                <a:solidFill>
+                  <a:srgbClr val="FFFFFF"/>
+                </a:solidFill>
+              </a14:hiddenFill>
+            </a:ext>
+          </a:extLst>
         </p:spPr>
       </p:pic>
     </p:spTree>
     <p:extLst>
       <p:ext uri="{BB962C8B-B14F-4D97-AF65-F5344CB8AC3E}">
-        <p14:creationId xmlns:p14="http://schemas.microsoft.com/office/powerpoint/2010/main" val="1524751328"/>
+        <p14:creationId xmlns:p14="http://schemas.microsoft.com/office/powerpoint/2010/main" val="2532291771"/>
       </p:ext>
     </p:extLst>
   </p:cSld>
   <p:clrMapOvr>
     <a:masterClrMapping/>
   </p:clrMapOvr>
+  <p:timing>
+    <p:tnLst>
+      <p:par>
+        <p:cTn xmlns:p14="http://schemas.microsoft.com/office/powerpoint/2010/main" id="1" dur="indefinite" restart="never" nodeType="tmRoot"/>
+      </p:par>
+    </p:tnLst>
+  </p:timing>
 </p:sld>
 </file>
 

--- a/pub/Council/Agenda2011Aug2-3/ED_OSG_as_an_XSEDE_SP.pptx
+++ b/pub/Council/Agenda2011Aug2-3/ED_OSG_as_an_XSEDE_SP.pptx
@@ -3939,11 +3939,18 @@
   <p:clrMapOvr>
     <a:masterClrMapping/>
   </p:clrMapOvr>
+  <p:timing>
+    <p:tnLst>
+      <p:par>
+        <p:cTn xmlns:p14="http://schemas.microsoft.com/office/powerpoint/2010/main" id="1" dur="indefinite" restart="never" nodeType="tmRoot"/>
+      </p:par>
+    </p:tnLst>
+  </p:timing>
 </p:sld>
 </file>
 
 <file path=ppt/slides/slide2.xml><?xml version="1.0" encoding="utf-8"?>
-<p:sld xmlns:a="http://schemas.openxmlformats.org/drawingml/2006/main" xmlns:r="http://schemas.openxmlformats.org/officeDocument/2006/relationships" xmlns:p="http://schemas.openxmlformats.org/presentationml/2006/main">
+<p:sld xmlns:a="http://schemas.openxmlformats.org/drawingml/2006/main" xmlns:r="http://schemas.openxmlformats.org/officeDocument/2006/relationships" xmlns:p="http://schemas.openxmlformats.org/presentationml/2006/main" showMasterSp="0">
   <p:cSld>
     <p:spTree>
       <p:nvGrpSpPr>
@@ -4174,7 +4181,7 @@
         </p:blipFill>
         <p:spPr bwMode="auto">
           <a:xfrm>
-            <a:off x="228600" y="19050"/>
+            <a:off x="596900" y="742950"/>
             <a:ext cx="8001000" cy="5878649"/>
           </a:xfrm>
           <a:prstGeom prst="rect">
